--- a/checkpoints/03/checkpoint3.pptx
+++ b/checkpoints/03/checkpoint3.pptx
@@ -5,32 +5,30 @@
     <p:sldMasterId id="2147483648" r:id="rId1"/>
   </p:sldMasterIdLst>
   <p:notesMasterIdLst>
-    <p:notesMasterId r:id="rId22"/>
+    <p:notesMasterId r:id="rId20"/>
   </p:notesMasterIdLst>
   <p:handoutMasterIdLst>
-    <p:handoutMasterId r:id="rId23"/>
+    <p:handoutMasterId r:id="rId21"/>
   </p:handoutMasterIdLst>
   <p:sldIdLst>
-    <p:sldId id="256" r:id="rId2"/>
-    <p:sldId id="1111" r:id="rId3"/>
-    <p:sldId id="1112" r:id="rId4"/>
-    <p:sldId id="1113" r:id="rId5"/>
-    <p:sldId id="257" r:id="rId6"/>
-    <p:sldId id="1121" r:id="rId7"/>
-    <p:sldId id="1124" r:id="rId8"/>
-    <p:sldId id="1109" r:id="rId9"/>
-    <p:sldId id="1096" r:id="rId10"/>
-    <p:sldId id="1120" r:id="rId11"/>
-    <p:sldId id="1122" r:id="rId12"/>
-    <p:sldId id="1123" r:id="rId13"/>
-    <p:sldId id="1126" r:id="rId14"/>
-    <p:sldId id="1127" r:id="rId15"/>
-    <p:sldId id="1097" r:id="rId16"/>
-    <p:sldId id="1098" r:id="rId17"/>
-    <p:sldId id="1116" r:id="rId18"/>
-    <p:sldId id="1117" r:id="rId19"/>
-    <p:sldId id="1118" r:id="rId20"/>
-    <p:sldId id="1119" r:id="rId21"/>
+    <p:sldId id="1128" r:id="rId2"/>
+    <p:sldId id="1129" r:id="rId3"/>
+    <p:sldId id="1130" r:id="rId4"/>
+    <p:sldId id="1131" r:id="rId5"/>
+    <p:sldId id="1132" r:id="rId6"/>
+    <p:sldId id="1133" r:id="rId7"/>
+    <p:sldId id="1134" r:id="rId8"/>
+    <p:sldId id="1135" r:id="rId9"/>
+    <p:sldId id="1136" r:id="rId10"/>
+    <p:sldId id="1137" r:id="rId11"/>
+    <p:sldId id="1138" r:id="rId12"/>
+    <p:sldId id="1139" r:id="rId13"/>
+    <p:sldId id="1140" r:id="rId14"/>
+    <p:sldId id="1141" r:id="rId15"/>
+    <p:sldId id="1142" r:id="rId16"/>
+    <p:sldId id="1143" r:id="rId17"/>
+    <p:sldId id="1144" r:id="rId18"/>
+    <p:sldId id="1145" r:id="rId19"/>
   </p:sldIdLst>
   <p:sldSz cx="9144000" cy="6858000" type="screen4x3"/>
   <p:notesSz cx="6858000" cy="9144000"/>
@@ -722,7 +720,10 @@
           <a:bodyPr/>
           <a:lstStyle/>
           <a:p>
-            <a:endParaRPr lang="en-US" baseline="0" dirty="0"/>
+            <a:r>
+              <a:rPr lang="en-US" baseline="0" dirty="0"/>
+              <a:t>1</a:t>
+            </a:r>
           </a:p>
         </p:txBody>
       </p:sp>
@@ -753,7 +754,7 @@
     </p:spTree>
     <p:extLst>
       <p:ext uri="{BB962C8B-B14F-4D97-AF65-F5344CB8AC3E}">
-        <p14:creationId xmlns:p14="http://schemas.microsoft.com/office/powerpoint/2010/main" val="92579991"/>
+        <p14:creationId xmlns:p14="http://schemas.microsoft.com/office/powerpoint/2010/main" val="2263772925"/>
       </p:ext>
     </p:extLst>
   </p:cSld>
@@ -807,7 +808,10 @@
           <a:bodyPr/>
           <a:lstStyle/>
           <a:p>
-            <a:endParaRPr lang="en-US" baseline="0" dirty="0"/>
+            <a:r>
+              <a:rPr lang="en-US" baseline="0" dirty="0"/>
+              <a:t>2</a:t>
+            </a:r>
           </a:p>
         </p:txBody>
       </p:sp>
@@ -829,7 +833,7 @@
             <a:fld id="{F535F173-C1DD-4975-94BF-5B9ED67F7674}" type="slidenum">
               <a:rPr lang="en-US" smtClean="0"/>
               <a:pPr/>
-              <a:t>14</a:t>
+              <a:t>13</a:t>
             </a:fld>
             <a:endParaRPr lang="en-US"/>
           </a:p>
@@ -838,7 +842,7 @@
     </p:spTree>
     <p:extLst>
       <p:ext uri="{BB962C8B-B14F-4D97-AF65-F5344CB8AC3E}">
-        <p14:creationId xmlns:p14="http://schemas.microsoft.com/office/powerpoint/2010/main" val="3592487063"/>
+        <p14:creationId xmlns:p14="http://schemas.microsoft.com/office/powerpoint/2010/main" val="1142676198"/>
       </p:ext>
     </p:extLst>
   </p:cSld>
@@ -892,7 +896,10 @@
           <a:bodyPr/>
           <a:lstStyle/>
           <a:p>
-            <a:endParaRPr lang="en-US" baseline="0" dirty="0"/>
+            <a:r>
+              <a:rPr lang="en-US" baseline="0" dirty="0"/>
+              <a:t>3</a:t>
+            </a:r>
           </a:p>
         </p:txBody>
       </p:sp>
@@ -914,7 +921,7 @@
             <a:fld id="{F535F173-C1DD-4975-94BF-5B9ED67F7674}" type="slidenum">
               <a:rPr lang="en-US" smtClean="0"/>
               <a:pPr/>
-              <a:t>16</a:t>
+              <a:t>15</a:t>
             </a:fld>
             <a:endParaRPr lang="en-US"/>
           </a:p>
@@ -923,7 +930,7 @@
     </p:spTree>
     <p:extLst>
       <p:ext uri="{BB962C8B-B14F-4D97-AF65-F5344CB8AC3E}">
-        <p14:creationId xmlns:p14="http://schemas.microsoft.com/office/powerpoint/2010/main" val="1355792998"/>
+        <p14:creationId xmlns:p14="http://schemas.microsoft.com/office/powerpoint/2010/main" val="4115505749"/>
       </p:ext>
     </p:extLst>
   </p:cSld>
@@ -977,7 +984,10 @@
           <a:bodyPr/>
           <a:lstStyle/>
           <a:p>
-            <a:endParaRPr lang="en-US" baseline="0" dirty="0"/>
+            <a:r>
+              <a:rPr lang="en-US" baseline="0" dirty="0"/>
+              <a:t>3</a:t>
+            </a:r>
           </a:p>
         </p:txBody>
       </p:sp>
@@ -999,7 +1009,7 @@
             <a:fld id="{F535F173-C1DD-4975-94BF-5B9ED67F7674}" type="slidenum">
               <a:rPr lang="en-US" smtClean="0"/>
               <a:pPr/>
-              <a:t>17</a:t>
+              <a:t>16</a:t>
             </a:fld>
             <a:endParaRPr lang="en-US"/>
           </a:p>
@@ -1008,7 +1018,7 @@
     </p:spTree>
     <p:extLst>
       <p:ext uri="{BB962C8B-B14F-4D97-AF65-F5344CB8AC3E}">
-        <p14:creationId xmlns:p14="http://schemas.microsoft.com/office/powerpoint/2010/main" val="2722383550"/>
+        <p14:creationId xmlns:p14="http://schemas.microsoft.com/office/powerpoint/2010/main" val="10364689"/>
       </p:ext>
     </p:extLst>
   </p:cSld>
@@ -1062,7 +1072,10 @@
           <a:bodyPr/>
           <a:lstStyle/>
           <a:p>
-            <a:endParaRPr lang="en-US" baseline="0" dirty="0"/>
+            <a:r>
+              <a:rPr lang="en-US" baseline="0" dirty="0"/>
+              <a:t>3</a:t>
+            </a:r>
           </a:p>
         </p:txBody>
       </p:sp>
@@ -1084,7 +1097,7 @@
             <a:fld id="{F535F173-C1DD-4975-94BF-5B9ED67F7674}" type="slidenum">
               <a:rPr lang="en-US" smtClean="0"/>
               <a:pPr/>
-              <a:t>18</a:t>
+              <a:t>17</a:t>
             </a:fld>
             <a:endParaRPr lang="en-US"/>
           </a:p>
@@ -1093,7 +1106,7 @@
     </p:spTree>
     <p:extLst>
       <p:ext uri="{BB962C8B-B14F-4D97-AF65-F5344CB8AC3E}">
-        <p14:creationId xmlns:p14="http://schemas.microsoft.com/office/powerpoint/2010/main" val="142154691"/>
+        <p14:creationId xmlns:p14="http://schemas.microsoft.com/office/powerpoint/2010/main" val="3120243869"/>
       </p:ext>
     </p:extLst>
   </p:cSld>
@@ -1147,7 +1160,10 @@
           <a:bodyPr/>
           <a:lstStyle/>
           <a:p>
-            <a:endParaRPr lang="en-US" baseline="0" dirty="0"/>
+            <a:r>
+              <a:rPr lang="en-US" baseline="0" dirty="0"/>
+              <a:t>3</a:t>
+            </a:r>
           </a:p>
         </p:txBody>
       </p:sp>
@@ -1169,7 +1185,7 @@
             <a:fld id="{F535F173-C1DD-4975-94BF-5B9ED67F7674}" type="slidenum">
               <a:rPr lang="en-US" smtClean="0"/>
               <a:pPr/>
-              <a:t>19</a:t>
+              <a:t>18</a:t>
             </a:fld>
             <a:endParaRPr lang="en-US"/>
           </a:p>
@@ -1178,92 +1194,7 @@
     </p:spTree>
     <p:extLst>
       <p:ext uri="{BB962C8B-B14F-4D97-AF65-F5344CB8AC3E}">
-        <p14:creationId xmlns:p14="http://schemas.microsoft.com/office/powerpoint/2010/main" val="2046965306"/>
-      </p:ext>
-    </p:extLst>
-  </p:cSld>
-  <p:clrMapOvr>
-    <a:masterClrMapping/>
-  </p:clrMapOvr>
-</p:notes>
-</file>
-
-<file path=ppt/notesSlides/notesSlide15.xml><?xml version="1.0" encoding="utf-8"?>
-<p:notes xmlns:a="http://schemas.openxmlformats.org/drawingml/2006/main" xmlns:r="http://schemas.openxmlformats.org/officeDocument/2006/relationships" xmlns:p="http://schemas.openxmlformats.org/presentationml/2006/main">
-  <p:cSld>
-    <p:spTree>
-      <p:nvGrpSpPr>
-        <p:cNvPr id="1" name=""/>
-        <p:cNvGrpSpPr/>
-        <p:nvPr/>
-      </p:nvGrpSpPr>
-      <p:grpSpPr>
-        <a:xfrm>
-          <a:off x="0" y="0"/>
-          <a:ext cx="0" cy="0"/>
-          <a:chOff x="0" y="0"/>
-          <a:chExt cx="0" cy="0"/>
-        </a:xfrm>
-      </p:grpSpPr>
-      <p:sp>
-        <p:nvSpPr>
-          <p:cNvPr id="2" name="Slide Image Placeholder 1"/>
-          <p:cNvSpPr>
-            <a:spLocks noGrp="1" noRot="1" noChangeAspect="1"/>
-          </p:cNvSpPr>
-          <p:nvPr>
-            <p:ph type="sldImg"/>
-          </p:nvPr>
-        </p:nvSpPr>
-        <p:spPr/>
-      </p:sp>
-      <p:sp>
-        <p:nvSpPr>
-          <p:cNvPr id="3" name="Notes Placeholder 2"/>
-          <p:cNvSpPr>
-            <a:spLocks noGrp="1"/>
-          </p:cNvSpPr>
-          <p:nvPr>
-            <p:ph type="body" idx="1"/>
-          </p:nvPr>
-        </p:nvSpPr>
-        <p:spPr/>
-        <p:txBody>
-          <a:bodyPr/>
-          <a:lstStyle/>
-          <a:p>
-            <a:endParaRPr lang="en-US" baseline="0" dirty="0"/>
-          </a:p>
-        </p:txBody>
-      </p:sp>
-      <p:sp>
-        <p:nvSpPr>
-          <p:cNvPr id="4" name="Slide Number Placeholder 3"/>
-          <p:cNvSpPr>
-            <a:spLocks noGrp="1"/>
-          </p:cNvSpPr>
-          <p:nvPr>
-            <p:ph type="sldNum" sz="quarter" idx="10"/>
-          </p:nvPr>
-        </p:nvSpPr>
-        <p:spPr/>
-        <p:txBody>
-          <a:bodyPr/>
-          <a:lstStyle/>
-          <a:p>
-            <a:fld id="{F535F173-C1DD-4975-94BF-5B9ED67F7674}" type="slidenum">
-              <a:rPr lang="en-US" smtClean="0"/>
-              <a:pPr/>
-              <a:t>20</a:t>
-            </a:fld>
-            <a:endParaRPr lang="en-US"/>
-          </a:p>
-        </p:txBody>
-      </p:sp>
-    </p:spTree>
-    <p:extLst>
-      <p:ext uri="{BB962C8B-B14F-4D97-AF65-F5344CB8AC3E}">
-        <p14:creationId xmlns:p14="http://schemas.microsoft.com/office/powerpoint/2010/main" val="2576277699"/>
+        <p14:creationId xmlns:p14="http://schemas.microsoft.com/office/powerpoint/2010/main" val="2968225211"/>
       </p:ext>
     </p:extLst>
   </p:cSld>
@@ -1317,7 +1248,10 @@
           <a:bodyPr/>
           <a:lstStyle/>
           <a:p>
-            <a:endParaRPr lang="en-US" baseline="0" dirty="0"/>
+            <a:r>
+              <a:rPr lang="en-US" dirty="0"/>
+              <a:t>1</a:t>
+            </a:r>
           </a:p>
         </p:txBody>
       </p:sp>
@@ -1328,7 +1262,7 @@
             <a:spLocks noGrp="1"/>
           </p:cNvSpPr>
           <p:nvPr>
-            <p:ph type="sldNum" sz="quarter" idx="10"/>
+            <p:ph type="sldNum" sz="quarter" idx="5"/>
           </p:nvPr>
         </p:nvSpPr>
         <p:spPr/>
@@ -1339,7 +1273,7 @@
             <a:fld id="{F535F173-C1DD-4975-94BF-5B9ED67F7674}" type="slidenum">
               <a:rPr lang="en-US" smtClean="0"/>
               <a:pPr/>
-              <a:t>6</a:t>
+              <a:t>4</a:t>
             </a:fld>
             <a:endParaRPr lang="en-US"/>
           </a:p>
@@ -1348,7 +1282,7 @@
     </p:spTree>
     <p:extLst>
       <p:ext uri="{BB962C8B-B14F-4D97-AF65-F5344CB8AC3E}">
-        <p14:creationId xmlns:p14="http://schemas.microsoft.com/office/powerpoint/2010/main" val="1692147932"/>
+        <p14:creationId xmlns:p14="http://schemas.microsoft.com/office/powerpoint/2010/main" val="2460205325"/>
       </p:ext>
     </p:extLst>
   </p:cSld>
@@ -1402,7 +1336,10 @@
           <a:bodyPr/>
           <a:lstStyle/>
           <a:p>
-            <a:endParaRPr lang="en-US" baseline="0" dirty="0"/>
+            <a:r>
+              <a:rPr lang="en-US" baseline="0" dirty="0"/>
+              <a:t>1</a:t>
+            </a:r>
           </a:p>
         </p:txBody>
       </p:sp>
@@ -1424,7 +1361,7 @@
             <a:fld id="{F535F173-C1DD-4975-94BF-5B9ED67F7674}" type="slidenum">
               <a:rPr lang="en-US" smtClean="0"/>
               <a:pPr/>
-              <a:t>7</a:t>
+              <a:t>6</a:t>
             </a:fld>
             <a:endParaRPr lang="en-US"/>
           </a:p>
@@ -1433,7 +1370,7 @@
     </p:spTree>
     <p:extLst>
       <p:ext uri="{BB962C8B-B14F-4D97-AF65-F5344CB8AC3E}">
-        <p14:creationId xmlns:p14="http://schemas.microsoft.com/office/powerpoint/2010/main" val="792097118"/>
+        <p14:creationId xmlns:p14="http://schemas.microsoft.com/office/powerpoint/2010/main" val="2979348786"/>
       </p:ext>
     </p:extLst>
   </p:cSld>
@@ -1487,7 +1424,10 @@
           <a:bodyPr/>
           <a:lstStyle/>
           <a:p>
-            <a:endParaRPr lang="en-US" baseline="0" dirty="0"/>
+            <a:r>
+              <a:rPr lang="en-US" baseline="0" dirty="0"/>
+              <a:t>1</a:t>
+            </a:r>
           </a:p>
         </p:txBody>
       </p:sp>
@@ -1509,7 +1449,7 @@
             <a:fld id="{F535F173-C1DD-4975-94BF-5B9ED67F7674}" type="slidenum">
               <a:rPr lang="en-US" smtClean="0"/>
               <a:pPr/>
-              <a:t>8</a:t>
+              <a:t>7</a:t>
             </a:fld>
             <a:endParaRPr lang="en-US"/>
           </a:p>
@@ -1518,7 +1458,7 @@
     </p:spTree>
     <p:extLst>
       <p:ext uri="{BB962C8B-B14F-4D97-AF65-F5344CB8AC3E}">
-        <p14:creationId xmlns:p14="http://schemas.microsoft.com/office/powerpoint/2010/main" val="1355792998"/>
+        <p14:creationId xmlns:p14="http://schemas.microsoft.com/office/powerpoint/2010/main" val="2706734777"/>
       </p:ext>
     </p:extLst>
   </p:cSld>
@@ -1572,7 +1512,10 @@
           <a:bodyPr/>
           <a:lstStyle/>
           <a:p>
-            <a:endParaRPr lang="en-US" baseline="0" dirty="0"/>
+            <a:r>
+              <a:rPr lang="en-US" baseline="0" dirty="0"/>
+              <a:t>1</a:t>
+            </a:r>
           </a:p>
         </p:txBody>
       </p:sp>
@@ -1594,7 +1537,7 @@
             <a:fld id="{F535F173-C1DD-4975-94BF-5B9ED67F7674}" type="slidenum">
               <a:rPr lang="en-US" smtClean="0"/>
               <a:pPr/>
-              <a:t>9</a:t>
+              <a:t>8</a:t>
             </a:fld>
             <a:endParaRPr lang="en-US"/>
           </a:p>
@@ -1603,7 +1546,7 @@
     </p:spTree>
     <p:extLst>
       <p:ext uri="{BB962C8B-B14F-4D97-AF65-F5344CB8AC3E}">
-        <p14:creationId xmlns:p14="http://schemas.microsoft.com/office/powerpoint/2010/main" val="1355792998"/>
+        <p14:creationId xmlns:p14="http://schemas.microsoft.com/office/powerpoint/2010/main" val="521932559"/>
       </p:ext>
     </p:extLst>
   </p:cSld>
@@ -1657,7 +1600,10 @@
           <a:bodyPr/>
           <a:lstStyle/>
           <a:p>
-            <a:endParaRPr lang="en-US" baseline="0" dirty="0"/>
+            <a:r>
+              <a:rPr lang="en-US" baseline="0" dirty="0"/>
+              <a:t>2</a:t>
+            </a:r>
           </a:p>
         </p:txBody>
       </p:sp>
@@ -1679,7 +1625,7 @@
             <a:fld id="{F535F173-C1DD-4975-94BF-5B9ED67F7674}" type="slidenum">
               <a:rPr lang="en-US" smtClean="0"/>
               <a:pPr/>
-              <a:t>10</a:t>
+              <a:t>9</a:t>
             </a:fld>
             <a:endParaRPr lang="en-US"/>
           </a:p>
@@ -1688,7 +1634,7 @@
     </p:spTree>
     <p:extLst>
       <p:ext uri="{BB962C8B-B14F-4D97-AF65-F5344CB8AC3E}">
-        <p14:creationId xmlns:p14="http://schemas.microsoft.com/office/powerpoint/2010/main" val="727450965"/>
+        <p14:creationId xmlns:p14="http://schemas.microsoft.com/office/powerpoint/2010/main" val="2732358300"/>
       </p:ext>
     </p:extLst>
   </p:cSld>
@@ -1742,7 +1688,10 @@
           <a:bodyPr/>
           <a:lstStyle/>
           <a:p>
-            <a:endParaRPr lang="en-US" baseline="0" dirty="0"/>
+            <a:r>
+              <a:rPr lang="en-US" baseline="0" dirty="0"/>
+              <a:t>2</a:t>
+            </a:r>
           </a:p>
         </p:txBody>
       </p:sp>
@@ -1764,7 +1713,7 @@
             <a:fld id="{F535F173-C1DD-4975-94BF-5B9ED67F7674}" type="slidenum">
               <a:rPr lang="en-US" smtClean="0"/>
               <a:pPr/>
-              <a:t>11</a:t>
+              <a:t>10</a:t>
             </a:fld>
             <a:endParaRPr lang="en-US"/>
           </a:p>
@@ -1773,7 +1722,7 @@
     </p:spTree>
     <p:extLst>
       <p:ext uri="{BB962C8B-B14F-4D97-AF65-F5344CB8AC3E}">
-        <p14:creationId xmlns:p14="http://schemas.microsoft.com/office/powerpoint/2010/main" val="644859255"/>
+        <p14:creationId xmlns:p14="http://schemas.microsoft.com/office/powerpoint/2010/main" val="4096588599"/>
       </p:ext>
     </p:extLst>
   </p:cSld>
@@ -1827,7 +1776,10 @@
           <a:bodyPr/>
           <a:lstStyle/>
           <a:p>
-            <a:endParaRPr lang="en-US" baseline="0" dirty="0"/>
+            <a:r>
+              <a:rPr lang="en-US" baseline="0" dirty="0"/>
+              <a:t>2</a:t>
+            </a:r>
           </a:p>
         </p:txBody>
       </p:sp>
@@ -1849,7 +1801,7 @@
             <a:fld id="{F535F173-C1DD-4975-94BF-5B9ED67F7674}" type="slidenum">
               <a:rPr lang="en-US" smtClean="0"/>
               <a:pPr/>
-              <a:t>12</a:t>
+              <a:t>11</a:t>
             </a:fld>
             <a:endParaRPr lang="en-US"/>
           </a:p>
@@ -1858,7 +1810,7 @@
     </p:spTree>
     <p:extLst>
       <p:ext uri="{BB962C8B-B14F-4D97-AF65-F5344CB8AC3E}">
-        <p14:creationId xmlns:p14="http://schemas.microsoft.com/office/powerpoint/2010/main" val="2225731823"/>
+        <p14:creationId xmlns:p14="http://schemas.microsoft.com/office/powerpoint/2010/main" val="431838689"/>
       </p:ext>
     </p:extLst>
   </p:cSld>
@@ -1912,7 +1864,10 @@
           <a:bodyPr/>
           <a:lstStyle/>
           <a:p>
-            <a:endParaRPr lang="en-US" baseline="0" dirty="0"/>
+            <a:r>
+              <a:rPr lang="en-US" baseline="0" dirty="0"/>
+              <a:t>2</a:t>
+            </a:r>
           </a:p>
         </p:txBody>
       </p:sp>
@@ -1934,7 +1889,7 @@
             <a:fld id="{F535F173-C1DD-4975-94BF-5B9ED67F7674}" type="slidenum">
               <a:rPr lang="en-US" smtClean="0"/>
               <a:pPr/>
-              <a:t>13</a:t>
+              <a:t>12</a:t>
             </a:fld>
             <a:endParaRPr lang="en-US"/>
           </a:p>
@@ -1943,7 +1898,7 @@
     </p:spTree>
     <p:extLst>
       <p:ext uri="{BB962C8B-B14F-4D97-AF65-F5344CB8AC3E}">
-        <p14:creationId xmlns:p14="http://schemas.microsoft.com/office/powerpoint/2010/main" val="4107782481"/>
+        <p14:creationId xmlns:p14="http://schemas.microsoft.com/office/powerpoint/2010/main" val="4256351815"/>
       </p:ext>
     </p:extLst>
   </p:cSld>
@@ -4120,16 +4075,6 @@
 <file path=ppt/slides/slide1.xml><?xml version="1.0" encoding="utf-8"?>
 <p:sld xmlns:a="http://schemas.openxmlformats.org/drawingml/2006/main" xmlns:r="http://schemas.openxmlformats.org/officeDocument/2006/relationships" xmlns:p="http://schemas.openxmlformats.org/presentationml/2006/main">
   <p:cSld>
-    <p:bg>
-      <p:bgPr>
-        <a:solidFill>
-          <a:schemeClr val="bg1">
-            <a:lumMod val="95000"/>
-          </a:schemeClr>
-        </a:solidFill>
-        <a:effectLst/>
-      </p:bgPr>
-    </p:bg>
     <p:spTree>
       <p:nvGrpSpPr>
         <p:cNvPr id="1" name=""/>
@@ -4518,159 +4463,9 @@
         </p:txBody>
       </p:sp>
     </p:spTree>
-  </p:cSld>
-  <p:clrMapOvr>
-    <a:masterClrMapping/>
-  </p:clrMapOvr>
-</p:sld>
-</file>
-
-<file path=ppt/slides/slide10.xml><?xml version="1.0" encoding="utf-8"?>
-<p:sld xmlns:a="http://schemas.openxmlformats.org/drawingml/2006/main" xmlns:r="http://schemas.openxmlformats.org/officeDocument/2006/relationships" xmlns:p="http://schemas.openxmlformats.org/presentationml/2006/main">
-  <p:cSld>
-    <p:spTree>
-      <p:nvGrpSpPr>
-        <p:cNvPr id="1" name=""/>
-        <p:cNvGrpSpPr/>
-        <p:nvPr/>
-      </p:nvGrpSpPr>
-      <p:grpSpPr>
-        <a:xfrm>
-          <a:off x="0" y="0"/>
-          <a:ext cx="0" cy="0"/>
-          <a:chOff x="0" y="0"/>
-          <a:chExt cx="0" cy="0"/>
-        </a:xfrm>
-      </p:grpSpPr>
-      <p:sp>
-        <p:nvSpPr>
-          <p:cNvPr id="2" name="Title 1"/>
-          <p:cNvSpPr>
-            <a:spLocks noGrp="1"/>
-          </p:cNvSpPr>
-          <p:nvPr>
-            <p:ph type="title"/>
-          </p:nvPr>
-        </p:nvSpPr>
-        <p:spPr/>
-        <p:txBody>
-          <a:bodyPr/>
-          <a:lstStyle/>
-          <a:p>
-            <a:r>
-              <a:rPr lang="en-US" dirty="0"/>
-              <a:t>Visual Encoding</a:t>
-            </a:r>
-            <a:endParaRPr lang="pt-PT" dirty="0"/>
-          </a:p>
-        </p:txBody>
-      </p:sp>
-      <p:sp>
-        <p:nvSpPr>
-          <p:cNvPr id="3" name="Content Placeholder 2"/>
-          <p:cNvSpPr>
-            <a:spLocks noGrp="1"/>
-          </p:cNvSpPr>
-          <p:nvPr>
-            <p:ph idx="1"/>
-          </p:nvPr>
-        </p:nvSpPr>
-        <p:spPr/>
-        <p:txBody>
-          <a:bodyPr>
-            <a:noAutofit/>
-          </a:bodyPr>
-          <a:lstStyle/>
-          <a:p>
-            <a:r>
-              <a:rPr lang="en-US" sz="2400" b="0" dirty="0"/>
-              <a:t>Item: </a:t>
-            </a:r>
-            <a:r>
-              <a:rPr lang="en-US" sz="2400" b="0" dirty="0" err="1"/>
-              <a:t>SendingCountry</a:t>
-            </a:r>
-            <a:r>
-              <a:rPr lang="en-US" sz="2400" b="0" dirty="0"/>
-              <a:t> and </a:t>
-            </a:r>
-            <a:r>
-              <a:rPr lang="en-US" sz="2400" b="0" dirty="0" err="1"/>
-              <a:t>ReceivingCountry</a:t>
-            </a:r>
-            <a:endParaRPr lang="en-US" sz="2400" b="0" dirty="0"/>
-          </a:p>
-          <a:p>
-            <a:r>
-              <a:rPr lang="en-US" sz="2400" b="0" dirty="0"/>
-              <a:t>Type: nominal</a:t>
-            </a:r>
-          </a:p>
-          <a:p>
-            <a:r>
-              <a:rPr lang="en-US" sz="2400" b="0" dirty="0"/>
-              <a:t>Visual Encoding: </a:t>
-            </a:r>
-            <a:r>
-              <a:rPr lang="en-US" sz="2400" b="0" dirty="0" err="1"/>
-              <a:t>Flowmap</a:t>
-            </a:r>
-            <a:r>
-              <a:rPr lang="en-US" sz="2400" b="0" dirty="0"/>
-              <a:t>. Arrows show from/to</a:t>
-            </a:r>
-          </a:p>
-        </p:txBody>
-      </p:sp>
-      <p:pic>
-        <p:nvPicPr>
-          <p:cNvPr id="7" name="Picture 2">
-            <a:extLst>
-              <a:ext uri="{FF2B5EF4-FFF2-40B4-BE49-F238E27FC236}">
-                <a16:creationId xmlns:a16="http://schemas.microsoft.com/office/drawing/2014/main" id="{4170CBB4-86AE-E740-879A-351D4A6E2742}"/>
-              </a:ext>
-            </a:extLst>
-          </p:cNvPr>
-          <p:cNvPicPr>
-            <a:picLocks noChangeAspect="1" noChangeArrowheads="1"/>
-          </p:cNvPicPr>
-          <p:nvPr/>
-        </p:nvPicPr>
-        <p:blipFill rotWithShape="1">
-          <a:blip r:embed="rId3">
-            <a:extLst>
-              <a:ext uri="{28A0092B-C50C-407E-A947-70E740481C1C}">
-                <a14:useLocalDpi xmlns:a14="http://schemas.microsoft.com/office/drawing/2010/main" val="0"/>
-              </a:ext>
-            </a:extLst>
-          </a:blip>
-          <a:srcRect t="4635" r="35044" b="27388"/>
-          <a:stretch/>
-        </p:blipFill>
-        <p:spPr bwMode="auto">
-          <a:xfrm>
-            <a:off x="1835696" y="3429000"/>
-            <a:ext cx="4248472" cy="3168352"/>
-          </a:xfrm>
-          <a:prstGeom prst="rect">
-            <a:avLst/>
-          </a:prstGeom>
-          <a:noFill/>
-          <a:extLst>
-            <a:ext uri="{909E8E84-426E-40DD-AFC4-6F175D3DCCD1}">
-              <a14:hiddenFill xmlns:a14="http://schemas.microsoft.com/office/drawing/2010/main">
-                <a:solidFill>
-                  <a:srgbClr val="FFFFFF"/>
-                </a:solidFill>
-              </a14:hiddenFill>
-            </a:ext>
-          </a:extLst>
-        </p:spPr>
-      </p:pic>
-    </p:spTree>
     <p:extLst>
       <p:ext uri="{BB962C8B-B14F-4D97-AF65-F5344CB8AC3E}">
-        <p14:creationId xmlns:p14="http://schemas.microsoft.com/office/powerpoint/2010/main" val="378624746"/>
+        <p14:creationId xmlns:p14="http://schemas.microsoft.com/office/powerpoint/2010/main" val="3134299154"/>
       </p:ext>
     </p:extLst>
   </p:cSld>
@@ -4680,162 +4475,7 @@
 </p:sld>
 </file>
 
-<file path=ppt/slides/slide11.xml><?xml version="1.0" encoding="utf-8"?>
-<p:sld xmlns:a="http://schemas.openxmlformats.org/drawingml/2006/main" xmlns:r="http://schemas.openxmlformats.org/officeDocument/2006/relationships" xmlns:p="http://schemas.openxmlformats.org/presentationml/2006/main">
-  <p:cSld>
-    <p:spTree>
-      <p:nvGrpSpPr>
-        <p:cNvPr id="1" name=""/>
-        <p:cNvGrpSpPr/>
-        <p:nvPr/>
-      </p:nvGrpSpPr>
-      <p:grpSpPr>
-        <a:xfrm>
-          <a:off x="0" y="0"/>
-          <a:ext cx="0" cy="0"/>
-          <a:chOff x="0" y="0"/>
-          <a:chExt cx="0" cy="0"/>
-        </a:xfrm>
-      </p:grpSpPr>
-      <p:sp>
-        <p:nvSpPr>
-          <p:cNvPr id="2" name="Title 1"/>
-          <p:cNvSpPr>
-            <a:spLocks noGrp="1"/>
-          </p:cNvSpPr>
-          <p:nvPr>
-            <p:ph type="title"/>
-          </p:nvPr>
-        </p:nvSpPr>
-        <p:spPr/>
-        <p:txBody>
-          <a:bodyPr/>
-          <a:lstStyle/>
-          <a:p>
-            <a:r>
-              <a:rPr lang="en-US" dirty="0"/>
-              <a:t>Visual Encoding</a:t>
-            </a:r>
-            <a:endParaRPr lang="pt-PT" dirty="0"/>
-          </a:p>
-        </p:txBody>
-      </p:sp>
-      <p:sp>
-        <p:nvSpPr>
-          <p:cNvPr id="3" name="Content Placeholder 2"/>
-          <p:cNvSpPr>
-            <a:spLocks noGrp="1"/>
-          </p:cNvSpPr>
-          <p:nvPr>
-            <p:ph idx="1"/>
-          </p:nvPr>
-        </p:nvSpPr>
-        <p:spPr/>
-        <p:txBody>
-          <a:bodyPr>
-            <a:noAutofit/>
-          </a:bodyPr>
-          <a:lstStyle/>
-          <a:p>
-            <a:r>
-              <a:rPr lang="en-US" sz="2400" b="0" dirty="0"/>
-              <a:t>Item: </a:t>
-            </a:r>
-            <a:r>
-              <a:rPr lang="en-US" sz="2400" b="0" dirty="0" err="1"/>
-              <a:t>StudentIncomingCount</a:t>
-            </a:r>
-            <a:r>
-              <a:rPr lang="en-US" sz="2400" b="0" dirty="0"/>
-              <a:t>, </a:t>
-            </a:r>
-            <a:r>
-              <a:rPr lang="en-US" sz="2400" b="0" dirty="0" err="1"/>
-              <a:t>StudentOutgoingCount</a:t>
-            </a:r>
-            <a:endParaRPr lang="en-US" sz="2400" b="0" dirty="0"/>
-          </a:p>
-          <a:p>
-            <a:r>
-              <a:rPr lang="en-US" sz="2400" b="0" dirty="0"/>
-              <a:t>Type: continues</a:t>
-            </a:r>
-          </a:p>
-          <a:p>
-            <a:r>
-              <a:rPr lang="en-US" sz="2400" b="0" dirty="0"/>
-              <a:t>Visual Encoding: </a:t>
-            </a:r>
-            <a:r>
-              <a:rPr lang="en-US" sz="2400" b="0" dirty="0" err="1"/>
-              <a:t>Flowmap</a:t>
-            </a:r>
-            <a:r>
-              <a:rPr lang="en-US" sz="2400" b="0" dirty="0"/>
-              <a:t>. Thickness of arrows shows number of students</a:t>
-            </a:r>
-          </a:p>
-        </p:txBody>
-      </p:sp>
-      <p:pic>
-        <p:nvPicPr>
-          <p:cNvPr id="7" name="Picture 2">
-            <a:extLst>
-              <a:ext uri="{FF2B5EF4-FFF2-40B4-BE49-F238E27FC236}">
-                <a16:creationId xmlns:a16="http://schemas.microsoft.com/office/drawing/2014/main" id="{4170CBB4-86AE-E740-879A-351D4A6E2742}"/>
-              </a:ext>
-            </a:extLst>
-          </p:cNvPr>
-          <p:cNvPicPr>
-            <a:picLocks noChangeAspect="1" noChangeArrowheads="1"/>
-          </p:cNvPicPr>
-          <p:nvPr/>
-        </p:nvPicPr>
-        <p:blipFill rotWithShape="1">
-          <a:blip r:embed="rId3">
-            <a:extLst>
-              <a:ext uri="{28A0092B-C50C-407E-A947-70E740481C1C}">
-                <a14:useLocalDpi xmlns:a14="http://schemas.microsoft.com/office/drawing/2010/main" val="0"/>
-              </a:ext>
-            </a:extLst>
-          </a:blip>
-          <a:srcRect t="4635" r="35044" b="27388"/>
-          <a:stretch/>
-        </p:blipFill>
-        <p:spPr bwMode="auto">
-          <a:xfrm>
-            <a:off x="1835696" y="3429000"/>
-            <a:ext cx="4248472" cy="3168352"/>
-          </a:xfrm>
-          <a:prstGeom prst="rect">
-            <a:avLst/>
-          </a:prstGeom>
-          <a:noFill/>
-          <a:extLst>
-            <a:ext uri="{909E8E84-426E-40DD-AFC4-6F175D3DCCD1}">
-              <a14:hiddenFill xmlns:a14="http://schemas.microsoft.com/office/drawing/2010/main">
-                <a:solidFill>
-                  <a:srgbClr val="FFFFFF"/>
-                </a:solidFill>
-              </a14:hiddenFill>
-            </a:ext>
-          </a:extLst>
-        </p:spPr>
-      </p:pic>
-    </p:spTree>
-    <p:extLst>
-      <p:ext uri="{BB962C8B-B14F-4D97-AF65-F5344CB8AC3E}">
-        <p14:creationId xmlns:p14="http://schemas.microsoft.com/office/powerpoint/2010/main" val="3390871426"/>
-      </p:ext>
-    </p:extLst>
-  </p:cSld>
-  <p:clrMapOvr>
-    <a:masterClrMapping/>
-  </p:clrMapOvr>
-</p:sld>
-</file>
-
-<file path=ppt/slides/slide12.xml><?xml version="1.0" encoding="utf-8"?>
+<file path=ppt/slides/slide10.xml><?xml version="1.0" encoding="utf-8"?>
 <p:sld xmlns:a="http://schemas.openxmlformats.org/drawingml/2006/main" xmlns:r="http://schemas.openxmlformats.org/officeDocument/2006/relationships" xmlns:p="http://schemas.openxmlformats.org/presentationml/2006/main">
   <p:cSld>
     <p:spTree>
@@ -4992,7 +4632,7 @@
     </p:spTree>
     <p:extLst>
       <p:ext uri="{BB962C8B-B14F-4D97-AF65-F5344CB8AC3E}">
-        <p14:creationId xmlns:p14="http://schemas.microsoft.com/office/powerpoint/2010/main" val="494497637"/>
+        <p14:creationId xmlns:p14="http://schemas.microsoft.com/office/powerpoint/2010/main" val="1226458996"/>
       </p:ext>
     </p:extLst>
   </p:cSld>
@@ -5002,7 +4642,149 @@
 </p:sld>
 </file>
 
-<file path=ppt/slides/slide13.xml><?xml version="1.0" encoding="utf-8"?>
+<file path=ppt/slides/slide11.xml><?xml version="1.0" encoding="utf-8"?>
+<p:sld xmlns:a="http://schemas.openxmlformats.org/drawingml/2006/main" xmlns:r="http://schemas.openxmlformats.org/officeDocument/2006/relationships" xmlns:p="http://schemas.openxmlformats.org/presentationml/2006/main">
+  <p:cSld>
+    <p:spTree>
+      <p:nvGrpSpPr>
+        <p:cNvPr id="1" name=""/>
+        <p:cNvGrpSpPr/>
+        <p:nvPr/>
+      </p:nvGrpSpPr>
+      <p:grpSpPr>
+        <a:xfrm>
+          <a:off x="0" y="0"/>
+          <a:ext cx="0" cy="0"/>
+          <a:chOff x="0" y="0"/>
+          <a:chExt cx="0" cy="0"/>
+        </a:xfrm>
+      </p:grpSpPr>
+      <p:sp>
+        <p:nvSpPr>
+          <p:cNvPr id="2" name="Title 1"/>
+          <p:cNvSpPr>
+            <a:spLocks noGrp="1"/>
+          </p:cNvSpPr>
+          <p:nvPr>
+            <p:ph type="title"/>
+          </p:nvPr>
+        </p:nvSpPr>
+        <p:spPr/>
+        <p:txBody>
+          <a:bodyPr/>
+          <a:lstStyle/>
+          <a:p>
+            <a:r>
+              <a:rPr lang="en-US" dirty="0"/>
+              <a:t>Visual Encoding</a:t>
+            </a:r>
+            <a:endParaRPr lang="pt-PT" dirty="0"/>
+          </a:p>
+        </p:txBody>
+      </p:sp>
+      <p:sp>
+        <p:nvSpPr>
+          <p:cNvPr id="3" name="Content Placeholder 2"/>
+          <p:cNvSpPr>
+            <a:spLocks noGrp="1"/>
+          </p:cNvSpPr>
+          <p:nvPr>
+            <p:ph idx="1"/>
+          </p:nvPr>
+        </p:nvSpPr>
+        <p:spPr/>
+        <p:txBody>
+          <a:bodyPr>
+            <a:noAutofit/>
+          </a:bodyPr>
+          <a:lstStyle/>
+          <a:p>
+            <a:r>
+              <a:rPr lang="en-US" sz="2400" b="0" dirty="0"/>
+              <a:t>Item: Cost of living index, rent index, beer prices</a:t>
+            </a:r>
+          </a:p>
+          <a:p>
+            <a:r>
+              <a:rPr lang="en-US" sz="2400" b="0" dirty="0"/>
+              <a:t>Type: Continues</a:t>
+            </a:r>
+          </a:p>
+          <a:p>
+            <a:r>
+              <a:rPr lang="en-US" sz="2400" b="0" dirty="0"/>
+              <a:t>Visual Encoding: </a:t>
+            </a:r>
+            <a:r>
+              <a:rPr lang="en-US" sz="2400" b="0" dirty="0" err="1"/>
+              <a:t>Barchart</a:t>
+            </a:r>
+            <a:r>
+              <a:rPr lang="en-US" sz="2400" b="0" dirty="0"/>
+              <a:t>. The height shows the attribute value.</a:t>
+            </a:r>
+          </a:p>
+        </p:txBody>
+      </p:sp>
+      <p:pic>
+        <p:nvPicPr>
+          <p:cNvPr id="5" name="Picture 2">
+            <a:extLst>
+              <a:ext uri="{FF2B5EF4-FFF2-40B4-BE49-F238E27FC236}">
+                <a16:creationId xmlns:a16="http://schemas.microsoft.com/office/drawing/2014/main" id="{D51399BA-ABB0-AA4D-A719-80993DA8D07C}"/>
+              </a:ext>
+            </a:extLst>
+          </p:cNvPr>
+          <p:cNvPicPr>
+            <a:picLocks noChangeAspect="1" noChangeArrowheads="1"/>
+          </p:cNvPicPr>
+          <p:nvPr/>
+        </p:nvPicPr>
+        <p:blipFill rotWithShape="1">
+          <a:blip r:embed="rId3">
+            <a:extLst>
+              <a:ext uri="{28A0092B-C50C-407E-A947-70E740481C1C}">
+                <a14:useLocalDpi xmlns:a14="http://schemas.microsoft.com/office/drawing/2010/main" val="0"/>
+              </a:ext>
+            </a:extLst>
+          </a:blip>
+          <a:srcRect l="5504" t="72612" r="48256" b="4213"/>
+          <a:stretch/>
+        </p:blipFill>
+        <p:spPr bwMode="auto">
+          <a:xfrm>
+            <a:off x="286466" y="3212976"/>
+            <a:ext cx="8571035" cy="3061084"/>
+          </a:xfrm>
+          <a:prstGeom prst="rect">
+            <a:avLst/>
+          </a:prstGeom>
+          <a:noFill/>
+          <a:extLst>
+            <a:ext uri="{909E8E84-426E-40DD-AFC4-6F175D3DCCD1}">
+              <a14:hiddenFill xmlns:a14="http://schemas.microsoft.com/office/drawing/2010/main">
+                <a:solidFill>
+                  <a:srgbClr val="FFFFFF"/>
+                </a:solidFill>
+              </a14:hiddenFill>
+            </a:ext>
+          </a:extLst>
+        </p:spPr>
+      </p:pic>
+    </p:spTree>
+    <p:extLst>
+      <p:ext uri="{BB962C8B-B14F-4D97-AF65-F5344CB8AC3E}">
+        <p14:creationId xmlns:p14="http://schemas.microsoft.com/office/powerpoint/2010/main" val="319649774"/>
+      </p:ext>
+    </p:extLst>
+  </p:cSld>
+  <p:clrMapOvr>
+    <a:masterClrMapping/>
+  </p:clrMapOvr>
+</p:sld>
+</file>
+
+<file path=ppt/slides/slide12.xml><?xml version="1.0" encoding="utf-8"?>
 <p:sld xmlns:a="http://schemas.openxmlformats.org/drawingml/2006/main" xmlns:r="http://schemas.openxmlformats.org/officeDocument/2006/relationships" xmlns:p="http://schemas.openxmlformats.org/presentationml/2006/main">
   <p:cSld>
     <p:spTree>
@@ -5159,7 +4941,7 @@
     </p:spTree>
     <p:extLst>
       <p:ext uri="{BB962C8B-B14F-4D97-AF65-F5344CB8AC3E}">
-        <p14:creationId xmlns:p14="http://schemas.microsoft.com/office/powerpoint/2010/main" val="2376351809"/>
+        <p14:creationId xmlns:p14="http://schemas.microsoft.com/office/powerpoint/2010/main" val="4024730182"/>
       </p:ext>
     </p:extLst>
   </p:cSld>
@@ -5169,7 +4951,7 @@
 </p:sld>
 </file>
 
-<file path=ppt/slides/slide14.xml><?xml version="1.0" encoding="utf-8"?>
+<file path=ppt/slides/slide13.xml><?xml version="1.0" encoding="utf-8"?>
 <p:sld xmlns:a="http://schemas.openxmlformats.org/drawingml/2006/main" xmlns:r="http://schemas.openxmlformats.org/officeDocument/2006/relationships" xmlns:p="http://schemas.openxmlformats.org/presentationml/2006/main">
   <p:cSld>
     <p:spTree>
@@ -5302,7 +5084,130 @@
     </p:spTree>
     <p:extLst>
       <p:ext uri="{BB962C8B-B14F-4D97-AF65-F5344CB8AC3E}">
-        <p14:creationId xmlns:p14="http://schemas.microsoft.com/office/powerpoint/2010/main" val="3017876815"/>
+        <p14:creationId xmlns:p14="http://schemas.microsoft.com/office/powerpoint/2010/main" val="797297766"/>
+      </p:ext>
+    </p:extLst>
+  </p:cSld>
+  <p:clrMapOvr>
+    <a:masterClrMapping/>
+  </p:clrMapOvr>
+</p:sld>
+</file>
+
+<file path=ppt/slides/slide14.xml><?xml version="1.0" encoding="utf-8"?>
+<p:sld xmlns:a="http://schemas.openxmlformats.org/drawingml/2006/main" xmlns:r="http://schemas.openxmlformats.org/officeDocument/2006/relationships" xmlns:p="http://schemas.openxmlformats.org/presentationml/2006/main">
+  <p:cSld>
+    <p:spTree>
+      <p:nvGrpSpPr>
+        <p:cNvPr id="1" name=""/>
+        <p:cNvGrpSpPr/>
+        <p:nvPr/>
+      </p:nvGrpSpPr>
+      <p:grpSpPr>
+        <a:xfrm>
+          <a:off x="0" y="0"/>
+          <a:ext cx="0" cy="0"/>
+          <a:chOff x="0" y="0"/>
+          <a:chExt cx="0" cy="0"/>
+        </a:xfrm>
+      </p:grpSpPr>
+      <p:sp>
+        <p:nvSpPr>
+          <p:cNvPr id="6" name="Text Placeholder 5"/>
+          <p:cNvSpPr>
+            <a:spLocks noGrp="1"/>
+          </p:cNvSpPr>
+          <p:nvPr>
+            <p:ph type="body" sz="quarter" idx="11"/>
+          </p:nvPr>
+        </p:nvSpPr>
+        <p:spPr/>
+        <p:txBody>
+          <a:bodyPr/>
+          <a:lstStyle/>
+          <a:p>
+            <a:endParaRPr lang="en-US" dirty="0"/>
+          </a:p>
+        </p:txBody>
+      </p:sp>
+      <p:sp>
+        <p:nvSpPr>
+          <p:cNvPr id="29" name="Text Placeholder 28"/>
+          <p:cNvSpPr>
+            <a:spLocks noGrp="1"/>
+          </p:cNvSpPr>
+          <p:nvPr>
+            <p:ph type="body" sz="quarter" idx="10"/>
+          </p:nvPr>
+        </p:nvSpPr>
+        <p:spPr/>
+        <p:txBody>
+          <a:bodyPr/>
+          <a:lstStyle/>
+          <a:p>
+            <a:r>
+              <a:rPr lang="pt-PT" sz="16600" dirty="0"/>
+              <a:t>03</a:t>
+            </a:r>
+          </a:p>
+        </p:txBody>
+      </p:sp>
+      <p:sp>
+        <p:nvSpPr>
+          <p:cNvPr id="4" name="Title 3"/>
+          <p:cNvSpPr>
+            <a:spLocks noGrp="1"/>
+          </p:cNvSpPr>
+          <p:nvPr>
+            <p:ph type="title"/>
+          </p:nvPr>
+        </p:nvSpPr>
+        <p:spPr>
+          <a:xfrm>
+            <a:off x="1907704" y="3214686"/>
+            <a:ext cx="7160096" cy="3033714"/>
+          </a:xfrm>
+          <a:solidFill>
+            <a:srgbClr val="FFFFFF">
+              <a:alpha val="80000"/>
+            </a:srgbClr>
+          </a:solidFill>
+        </p:spPr>
+        <p:txBody>
+          <a:bodyPr rIns="288000">
+            <a:noAutofit/>
+          </a:bodyPr>
+          <a:lstStyle/>
+          <a:p>
+            <a:pPr marL="0" algn="r"/>
+            <a:r>
+              <a:rPr lang="pt-PT" sz="6000" dirty="0" err="1"/>
+              <a:t>Answering</a:t>
+            </a:r>
+            <a:r>
+              <a:rPr lang="pt-PT" sz="6000" dirty="0"/>
+              <a:t> </a:t>
+            </a:r>
+            <a:r>
+              <a:rPr lang="pt-PT" sz="6000" dirty="0" err="1"/>
+              <a:t>the</a:t>
+            </a:r>
+            <a:r>
+              <a:rPr lang="pt-PT" sz="6000" dirty="0"/>
+              <a:t> </a:t>
+            </a:r>
+            <a:r>
+              <a:rPr lang="pt-PT" sz="6000" dirty="0" err="1"/>
+              <a:t>Questions</a:t>
+            </a:r>
+            <a:endParaRPr lang="pt-PT" sz="6000" dirty="0"/>
+          </a:p>
+        </p:txBody>
+      </p:sp>
+    </p:spTree>
+    <p:extLst>
+      <p:ext uri="{BB962C8B-B14F-4D97-AF65-F5344CB8AC3E}">
+        <p14:creationId xmlns:p14="http://schemas.microsoft.com/office/powerpoint/2010/main" val="3991928846"/>
       </p:ext>
     </p:extLst>
   </p:cSld>
@@ -5331,227 +5236,6 @@
       </p:grpSpPr>
       <p:sp>
         <p:nvSpPr>
-          <p:cNvPr id="6" name="Text Placeholder 5"/>
-          <p:cNvSpPr>
-            <a:spLocks noGrp="1"/>
-          </p:cNvSpPr>
-          <p:nvPr>
-            <p:ph type="body" sz="quarter" idx="11"/>
-          </p:nvPr>
-        </p:nvSpPr>
-        <p:spPr/>
-        <p:txBody>
-          <a:bodyPr/>
-          <a:lstStyle/>
-          <a:p>
-            <a:endParaRPr lang="en-US" dirty="0"/>
-          </a:p>
-        </p:txBody>
-      </p:sp>
-      <p:sp>
-        <p:nvSpPr>
-          <p:cNvPr id="29" name="Text Placeholder 28"/>
-          <p:cNvSpPr>
-            <a:spLocks noGrp="1"/>
-          </p:cNvSpPr>
-          <p:nvPr>
-            <p:ph type="body" sz="quarter" idx="10"/>
-          </p:nvPr>
-        </p:nvSpPr>
-        <p:spPr/>
-        <p:txBody>
-          <a:bodyPr/>
-          <a:lstStyle/>
-          <a:p>
-            <a:r>
-              <a:rPr lang="pt-PT" sz="16600" dirty="0"/>
-              <a:t>03</a:t>
-            </a:r>
-          </a:p>
-        </p:txBody>
-      </p:sp>
-      <p:sp>
-        <p:nvSpPr>
-          <p:cNvPr id="4" name="Title 3"/>
-          <p:cNvSpPr>
-            <a:spLocks noGrp="1"/>
-          </p:cNvSpPr>
-          <p:nvPr>
-            <p:ph type="title"/>
-          </p:nvPr>
-        </p:nvSpPr>
-        <p:spPr>
-          <a:xfrm>
-            <a:off x="1907704" y="3214686"/>
-            <a:ext cx="7160096" cy="3033714"/>
-          </a:xfrm>
-          <a:solidFill>
-            <a:srgbClr val="FFFFFF">
-              <a:alpha val="80000"/>
-            </a:srgbClr>
-          </a:solidFill>
-        </p:spPr>
-        <p:txBody>
-          <a:bodyPr rIns="288000">
-            <a:noAutofit/>
-          </a:bodyPr>
-          <a:lstStyle/>
-          <a:p>
-            <a:pPr marL="0" algn="r"/>
-            <a:r>
-              <a:rPr lang="pt-PT" sz="6000" dirty="0" err="1"/>
-              <a:t>Answering</a:t>
-            </a:r>
-            <a:r>
-              <a:rPr lang="pt-PT" sz="6000" dirty="0"/>
-              <a:t> </a:t>
-            </a:r>
-            <a:r>
-              <a:rPr lang="pt-PT" sz="6000" dirty="0" err="1"/>
-              <a:t>the</a:t>
-            </a:r>
-            <a:r>
-              <a:rPr lang="pt-PT" sz="6000" dirty="0"/>
-              <a:t> </a:t>
-            </a:r>
-            <a:r>
-              <a:rPr lang="pt-PT" sz="6000" dirty="0" err="1"/>
-              <a:t>Questions</a:t>
-            </a:r>
-            <a:endParaRPr lang="pt-PT" sz="6000" dirty="0"/>
-          </a:p>
-        </p:txBody>
-      </p:sp>
-    </p:spTree>
-    <p:extLst>
-      <p:ext uri="{BB962C8B-B14F-4D97-AF65-F5344CB8AC3E}">
-        <p14:creationId xmlns:p14="http://schemas.microsoft.com/office/powerpoint/2010/main" val="627357321"/>
-      </p:ext>
-    </p:extLst>
-  </p:cSld>
-  <p:clrMapOvr>
-    <a:masterClrMapping/>
-  </p:clrMapOvr>
-</p:sld>
-</file>
-
-<file path=ppt/slides/slide16.xml><?xml version="1.0" encoding="utf-8"?>
-<p:sld xmlns:a="http://schemas.openxmlformats.org/drawingml/2006/main" xmlns:r="http://schemas.openxmlformats.org/officeDocument/2006/relationships" xmlns:p="http://schemas.openxmlformats.org/presentationml/2006/main">
-  <p:cSld>
-    <p:spTree>
-      <p:nvGrpSpPr>
-        <p:cNvPr id="1" name=""/>
-        <p:cNvGrpSpPr/>
-        <p:nvPr/>
-      </p:nvGrpSpPr>
-      <p:grpSpPr>
-        <a:xfrm>
-          <a:off x="0" y="0"/>
-          <a:ext cx="0" cy="0"/>
-          <a:chOff x="0" y="0"/>
-          <a:chExt cx="0" cy="0"/>
-        </a:xfrm>
-      </p:grpSpPr>
-      <p:sp>
-        <p:nvSpPr>
-          <p:cNvPr id="2" name="Title 1"/>
-          <p:cNvSpPr>
-            <a:spLocks noGrp="1"/>
-          </p:cNvSpPr>
-          <p:nvPr>
-            <p:ph type="title"/>
-          </p:nvPr>
-        </p:nvSpPr>
-        <p:spPr/>
-        <p:txBody>
-          <a:bodyPr/>
-          <a:lstStyle/>
-          <a:p>
-            <a:r>
-              <a:rPr lang="en-US" dirty="0"/>
-              <a:t>Question </a:t>
-            </a:r>
-            <a:endParaRPr lang="pt-PT" dirty="0"/>
-          </a:p>
-        </p:txBody>
-      </p:sp>
-      <p:sp>
-        <p:nvSpPr>
-          <p:cNvPr id="3" name="Content Placeholder 2"/>
-          <p:cNvSpPr>
-            <a:spLocks noGrp="1"/>
-          </p:cNvSpPr>
-          <p:nvPr>
-            <p:ph idx="1"/>
-          </p:nvPr>
-        </p:nvSpPr>
-        <p:spPr>
-          <a:xfrm>
-            <a:off x="457200" y="1285860"/>
-            <a:ext cx="8435280" cy="5214974"/>
-          </a:xfrm>
-        </p:spPr>
-        <p:txBody>
-          <a:bodyPr>
-            <a:noAutofit/>
-          </a:bodyPr>
-          <a:lstStyle/>
-          <a:p>
-            <a:r>
-              <a:rPr lang="en-US" dirty="0"/>
-              <a:t>&lt;Question&gt;</a:t>
-            </a:r>
-          </a:p>
-          <a:p>
-            <a:r>
-              <a:rPr lang="en-US" dirty="0"/>
-              <a:t>(Visual) explanation of how the vis allows us to answer it</a:t>
-            </a:r>
-          </a:p>
-          <a:p>
-            <a:r>
-              <a:rPr lang="en-US" dirty="0"/>
-              <a:t>For at least one of the questions: storyboard depicting the use of several idioms in tandem.</a:t>
-            </a:r>
-          </a:p>
-          <a:p>
-            <a:pPr lvl="1"/>
-            <a:endParaRPr lang="en-US" sz="2000" dirty="0"/>
-          </a:p>
-        </p:txBody>
-      </p:sp>
-    </p:spTree>
-    <p:extLst>
-      <p:ext uri="{BB962C8B-B14F-4D97-AF65-F5344CB8AC3E}">
-        <p14:creationId xmlns:p14="http://schemas.microsoft.com/office/powerpoint/2010/main" val="2962997025"/>
-      </p:ext>
-    </p:extLst>
-  </p:cSld>
-  <p:clrMapOvr>
-    <a:masterClrMapping/>
-  </p:clrMapOvr>
-</p:sld>
-</file>
-
-<file path=ppt/slides/slide17.xml><?xml version="1.0" encoding="utf-8"?>
-<p:sld xmlns:a="http://schemas.openxmlformats.org/drawingml/2006/main" xmlns:r="http://schemas.openxmlformats.org/officeDocument/2006/relationships" xmlns:p="http://schemas.openxmlformats.org/presentationml/2006/main">
-  <p:cSld>
-    <p:spTree>
-      <p:nvGrpSpPr>
-        <p:cNvPr id="1" name=""/>
-        <p:cNvGrpSpPr/>
-        <p:nvPr/>
-      </p:nvGrpSpPr>
-      <p:grpSpPr>
-        <a:xfrm>
-          <a:off x="0" y="0"/>
-          <a:ext cx="0" cy="0"/>
-          <a:chOff x="0" y="0"/>
-          <a:chExt cx="0" cy="0"/>
-        </a:xfrm>
-      </p:grpSpPr>
-      <p:sp>
-        <p:nvSpPr>
           <p:cNvPr id="2" name="Title 1"/>
           <p:cNvSpPr>
             <a:spLocks noGrp="1"/>
@@ -5659,12 +5343,8 @@
           </a:p>
           <a:p>
             <a:r>
-              <a:rPr lang="en-US" sz="2000" dirty="0"/>
-              <a:t>Storyboard</a:t>
-            </a:r>
-            <a:r>
-              <a:rPr lang="en-US" dirty="0"/>
-              <a:t>:</a:t>
+              <a:rPr lang="en-US" sz="2400" dirty="0"/>
+              <a:t>Storyboard:</a:t>
             </a:r>
           </a:p>
           <a:p>
@@ -5723,7 +5403,7 @@
     </p:spTree>
     <p:extLst>
       <p:ext uri="{BB962C8B-B14F-4D97-AF65-F5344CB8AC3E}">
-        <p14:creationId xmlns:p14="http://schemas.microsoft.com/office/powerpoint/2010/main" val="3692248580"/>
+        <p14:creationId xmlns:p14="http://schemas.microsoft.com/office/powerpoint/2010/main" val="1474504608"/>
       </p:ext>
     </p:extLst>
   </p:cSld>
@@ -5733,7 +5413,7 @@
 </p:sld>
 </file>
 
-<file path=ppt/slides/slide18.xml><?xml version="1.0" encoding="utf-8"?>
+<file path=ppt/slides/slide16.xml><?xml version="1.0" encoding="utf-8"?>
 <p:sld xmlns:a="http://schemas.openxmlformats.org/drawingml/2006/main" xmlns:r="http://schemas.openxmlformats.org/officeDocument/2006/relationships" xmlns:p="http://schemas.openxmlformats.org/presentationml/2006/main">
   <p:cSld>
     <p:spTree>
@@ -5932,7 +5612,7 @@
     </p:spTree>
     <p:extLst>
       <p:ext uri="{BB962C8B-B14F-4D97-AF65-F5344CB8AC3E}">
-        <p14:creationId xmlns:p14="http://schemas.microsoft.com/office/powerpoint/2010/main" val="662494928"/>
+        <p14:creationId xmlns:p14="http://schemas.microsoft.com/office/powerpoint/2010/main" val="2233131434"/>
       </p:ext>
     </p:extLst>
   </p:cSld>
@@ -5942,7 +5622,7 @@
 </p:sld>
 </file>
 
-<file path=ppt/slides/slide19.xml><?xml version="1.0" encoding="utf-8"?>
+<file path=ppt/slides/slide17.xml><?xml version="1.0" encoding="utf-8"?>
 <p:sld xmlns:a="http://schemas.openxmlformats.org/drawingml/2006/main" xmlns:r="http://schemas.openxmlformats.org/officeDocument/2006/relationships" xmlns:p="http://schemas.openxmlformats.org/presentationml/2006/main">
   <p:cSld>
     <p:spTree>
@@ -6097,7 +5777,7 @@
     </p:spTree>
     <p:extLst>
       <p:ext uri="{BB962C8B-B14F-4D97-AF65-F5344CB8AC3E}">
-        <p14:creationId xmlns:p14="http://schemas.microsoft.com/office/powerpoint/2010/main" val="2867713451"/>
+        <p14:creationId xmlns:p14="http://schemas.microsoft.com/office/powerpoint/2010/main" val="1825234701"/>
       </p:ext>
     </p:extLst>
   </p:cSld>
@@ -6107,114 +5787,7 @@
 </p:sld>
 </file>
 
-<file path=ppt/slides/slide2.xml><?xml version="1.0" encoding="utf-8"?>
-<p:sld xmlns:a="http://schemas.openxmlformats.org/drawingml/2006/main" xmlns:r="http://schemas.openxmlformats.org/officeDocument/2006/relationships" xmlns:p="http://schemas.openxmlformats.org/presentationml/2006/main">
-  <p:cSld>
-    <p:spTree>
-      <p:nvGrpSpPr>
-        <p:cNvPr id="1" name=""/>
-        <p:cNvGrpSpPr/>
-        <p:nvPr/>
-      </p:nvGrpSpPr>
-      <p:grpSpPr>
-        <a:xfrm>
-          <a:off x="0" y="0"/>
-          <a:ext cx="0" cy="0"/>
-          <a:chOff x="0" y="0"/>
-          <a:chExt cx="0" cy="0"/>
-        </a:xfrm>
-      </p:grpSpPr>
-      <p:sp>
-        <p:nvSpPr>
-          <p:cNvPr id="6" name="Text Placeholder 5"/>
-          <p:cNvSpPr>
-            <a:spLocks noGrp="1"/>
-          </p:cNvSpPr>
-          <p:nvPr>
-            <p:ph type="body" sz="quarter" idx="11"/>
-          </p:nvPr>
-        </p:nvSpPr>
-        <p:spPr/>
-        <p:txBody>
-          <a:bodyPr/>
-          <a:lstStyle/>
-          <a:p>
-            <a:endParaRPr lang="en-US" dirty="0"/>
-          </a:p>
-        </p:txBody>
-      </p:sp>
-      <p:sp>
-        <p:nvSpPr>
-          <p:cNvPr id="29" name="Text Placeholder 28"/>
-          <p:cNvSpPr>
-            <a:spLocks noGrp="1"/>
-          </p:cNvSpPr>
-          <p:nvPr>
-            <p:ph type="body" sz="quarter" idx="10"/>
-          </p:nvPr>
-        </p:nvSpPr>
-        <p:spPr/>
-        <p:txBody>
-          <a:bodyPr/>
-          <a:lstStyle/>
-          <a:p>
-            <a:r>
-              <a:rPr lang="pt-PT" sz="16600" dirty="0"/>
-              <a:t>01</a:t>
-            </a:r>
-          </a:p>
-        </p:txBody>
-      </p:sp>
-      <p:sp>
-        <p:nvSpPr>
-          <p:cNvPr id="4" name="Title 3"/>
-          <p:cNvSpPr>
-            <a:spLocks noGrp="1"/>
-          </p:cNvSpPr>
-          <p:nvPr>
-            <p:ph type="title"/>
-          </p:nvPr>
-        </p:nvSpPr>
-        <p:spPr>
-          <a:xfrm>
-            <a:off x="1907704" y="3214686"/>
-            <a:ext cx="7160096" cy="3033714"/>
-          </a:xfrm>
-          <a:solidFill>
-            <a:srgbClr val="FFFFFF">
-              <a:alpha val="80000"/>
-            </a:srgbClr>
-          </a:solidFill>
-        </p:spPr>
-        <p:txBody>
-          <a:bodyPr rIns="288000">
-            <a:noAutofit/>
-          </a:bodyPr>
-          <a:lstStyle/>
-          <a:p>
-            <a:pPr marL="0" algn="r"/>
-            <a:r>
-              <a:rPr lang="pt-PT" sz="6000" dirty="0" err="1"/>
-              <a:t>Overview</a:t>
-            </a:r>
-            <a:endParaRPr lang="pt-PT" sz="6000" dirty="0"/>
-          </a:p>
-        </p:txBody>
-      </p:sp>
-    </p:spTree>
-    <p:extLst>
-      <p:ext uri="{BB962C8B-B14F-4D97-AF65-F5344CB8AC3E}">
-        <p14:creationId xmlns:p14="http://schemas.microsoft.com/office/powerpoint/2010/main" val="1034637493"/>
-      </p:ext>
-    </p:extLst>
-  </p:cSld>
-  <p:clrMapOvr>
-    <a:masterClrMapping/>
-  </p:clrMapOvr>
-</p:sld>
-</file>
-
-<file path=ppt/slides/slide20.xml><?xml version="1.0" encoding="utf-8"?>
+<file path=ppt/slides/slide18.xml><?xml version="1.0" encoding="utf-8"?>
 <p:sld xmlns:a="http://schemas.openxmlformats.org/drawingml/2006/main" xmlns:r="http://schemas.openxmlformats.org/officeDocument/2006/relationships" xmlns:p="http://schemas.openxmlformats.org/presentationml/2006/main">
   <p:cSld>
     <p:spTree>
@@ -6403,7 +5976,114 @@
     </p:spTree>
     <p:extLst>
       <p:ext uri="{BB962C8B-B14F-4D97-AF65-F5344CB8AC3E}">
-        <p14:creationId xmlns:p14="http://schemas.microsoft.com/office/powerpoint/2010/main" val="2911909445"/>
+        <p14:creationId xmlns:p14="http://schemas.microsoft.com/office/powerpoint/2010/main" val="1926118255"/>
+      </p:ext>
+    </p:extLst>
+  </p:cSld>
+  <p:clrMapOvr>
+    <a:masterClrMapping/>
+  </p:clrMapOvr>
+</p:sld>
+</file>
+
+<file path=ppt/slides/slide2.xml><?xml version="1.0" encoding="utf-8"?>
+<p:sld xmlns:a="http://schemas.openxmlformats.org/drawingml/2006/main" xmlns:r="http://schemas.openxmlformats.org/officeDocument/2006/relationships" xmlns:p="http://schemas.openxmlformats.org/presentationml/2006/main">
+  <p:cSld>
+    <p:spTree>
+      <p:nvGrpSpPr>
+        <p:cNvPr id="1" name=""/>
+        <p:cNvGrpSpPr/>
+        <p:nvPr/>
+      </p:nvGrpSpPr>
+      <p:grpSpPr>
+        <a:xfrm>
+          <a:off x="0" y="0"/>
+          <a:ext cx="0" cy="0"/>
+          <a:chOff x="0" y="0"/>
+          <a:chExt cx="0" cy="0"/>
+        </a:xfrm>
+      </p:grpSpPr>
+      <p:sp>
+        <p:nvSpPr>
+          <p:cNvPr id="6" name="Text Placeholder 5"/>
+          <p:cNvSpPr>
+            <a:spLocks noGrp="1"/>
+          </p:cNvSpPr>
+          <p:nvPr>
+            <p:ph type="body" sz="quarter" idx="11"/>
+          </p:nvPr>
+        </p:nvSpPr>
+        <p:spPr/>
+        <p:txBody>
+          <a:bodyPr/>
+          <a:lstStyle/>
+          <a:p>
+            <a:endParaRPr lang="en-US" dirty="0"/>
+          </a:p>
+        </p:txBody>
+      </p:sp>
+      <p:sp>
+        <p:nvSpPr>
+          <p:cNvPr id="29" name="Text Placeholder 28"/>
+          <p:cNvSpPr>
+            <a:spLocks noGrp="1"/>
+          </p:cNvSpPr>
+          <p:nvPr>
+            <p:ph type="body" sz="quarter" idx="10"/>
+          </p:nvPr>
+        </p:nvSpPr>
+        <p:spPr/>
+        <p:txBody>
+          <a:bodyPr/>
+          <a:lstStyle/>
+          <a:p>
+            <a:r>
+              <a:rPr lang="pt-PT" sz="16600" dirty="0"/>
+              <a:t>01</a:t>
+            </a:r>
+          </a:p>
+        </p:txBody>
+      </p:sp>
+      <p:sp>
+        <p:nvSpPr>
+          <p:cNvPr id="4" name="Title 3"/>
+          <p:cNvSpPr>
+            <a:spLocks noGrp="1"/>
+          </p:cNvSpPr>
+          <p:nvPr>
+            <p:ph type="title"/>
+          </p:nvPr>
+        </p:nvSpPr>
+        <p:spPr>
+          <a:xfrm>
+            <a:off x="1907704" y="3214686"/>
+            <a:ext cx="7160096" cy="3033714"/>
+          </a:xfrm>
+          <a:solidFill>
+            <a:srgbClr val="FFFFFF">
+              <a:alpha val="80000"/>
+            </a:srgbClr>
+          </a:solidFill>
+        </p:spPr>
+        <p:txBody>
+          <a:bodyPr rIns="288000">
+            <a:noAutofit/>
+          </a:bodyPr>
+          <a:lstStyle/>
+          <a:p>
+            <a:pPr marL="0" algn="r"/>
+            <a:r>
+              <a:rPr lang="pt-PT" sz="6000" dirty="0" err="1"/>
+              <a:t>Overview</a:t>
+            </a:r>
+            <a:endParaRPr lang="pt-PT" sz="6000" dirty="0"/>
+          </a:p>
+        </p:txBody>
+      </p:sp>
+    </p:spTree>
+    <p:extLst>
+      <p:ext uri="{BB962C8B-B14F-4D97-AF65-F5344CB8AC3E}">
+        <p14:creationId xmlns:p14="http://schemas.microsoft.com/office/powerpoint/2010/main" val="1754819609"/>
       </p:ext>
     </p:extLst>
   </p:cSld>
@@ -6528,7 +6208,7 @@
     </p:spTree>
     <p:extLst>
       <p:ext uri="{BB962C8B-B14F-4D97-AF65-F5344CB8AC3E}">
-        <p14:creationId xmlns:p14="http://schemas.microsoft.com/office/powerpoint/2010/main" val="2376083867"/>
+        <p14:creationId xmlns:p14="http://schemas.microsoft.com/office/powerpoint/2010/main" val="2877603297"/>
       </p:ext>
     </p:extLst>
   </p:cSld>
@@ -6620,7 +6300,7 @@
           <p:nvPr/>
         </p:nvPicPr>
         <p:blipFill>
-          <a:blip r:embed="rId2">
+          <a:blip r:embed="rId3">
             <a:extLst>
               <a:ext uri="{28A0092B-C50C-407E-A947-70E740481C1C}">
                 <a14:useLocalDpi xmlns:a14="http://schemas.microsoft.com/office/drawing/2010/main" val="0"/>
@@ -6655,7 +6335,7 @@
     </p:spTree>
     <p:extLst>
       <p:ext uri="{BB962C8B-B14F-4D97-AF65-F5344CB8AC3E}">
-        <p14:creationId xmlns:p14="http://schemas.microsoft.com/office/powerpoint/2010/main" val="2190498749"/>
+        <p14:creationId xmlns:p14="http://schemas.microsoft.com/office/powerpoint/2010/main" val="1071737666"/>
       </p:ext>
     </p:extLst>
   </p:cSld>
@@ -6764,6 +6444,11 @@
         </p:txBody>
       </p:sp>
     </p:spTree>
+    <p:extLst>
+      <p:ext uri="{BB962C8B-B14F-4D97-AF65-F5344CB8AC3E}">
+        <p14:creationId xmlns:p14="http://schemas.microsoft.com/office/powerpoint/2010/main" val="250040970"/>
+      </p:ext>
+    </p:extLst>
   </p:cSld>
   <p:clrMapOvr>
     <a:masterClrMapping/>
@@ -6829,14 +6514,20 @@
           <a:lstStyle/>
           <a:p>
             <a:r>
-              <a:rPr lang="en-US" sz="4000" dirty="0"/>
-              <a:t>Item1 | Type:</a:t>
-            </a:r>
-          </a:p>
-          <a:p>
-            <a:r>
-              <a:rPr lang="en-US" sz="4000" dirty="0"/>
-              <a:t>Visual Encoding:</a:t>
+              <a:rPr lang="en-US" sz="2400" b="0" dirty="0"/>
+              <a:t>Item: Country</a:t>
+            </a:r>
+          </a:p>
+          <a:p>
+            <a:r>
+              <a:rPr lang="en-US" sz="2400" b="0" dirty="0"/>
+              <a:t>Type: nominal</a:t>
+            </a:r>
+          </a:p>
+          <a:p>
+            <a:r>
+              <a:rPr lang="en-US" sz="2400" b="0" dirty="0"/>
+              <a:t>Visual Encoding: Map, labels </a:t>
             </a:r>
           </a:p>
         </p:txBody>
@@ -6844,7 +6535,7 @@
     </p:spTree>
     <p:extLst>
       <p:ext uri="{BB962C8B-B14F-4D97-AF65-F5344CB8AC3E}">
-        <p14:creationId xmlns:p14="http://schemas.microsoft.com/office/powerpoint/2010/main" val="3652075850"/>
+        <p14:creationId xmlns:p14="http://schemas.microsoft.com/office/powerpoint/2010/main" val="685472146"/>
       </p:ext>
     </p:extLst>
   </p:cSld>
@@ -6855,237 +6546,6 @@
 </file>
 
 <file path=ppt/slides/slide7.xml><?xml version="1.0" encoding="utf-8"?>
-<p:sld xmlns:a="http://schemas.openxmlformats.org/drawingml/2006/main" xmlns:r="http://schemas.openxmlformats.org/officeDocument/2006/relationships" xmlns:p="http://schemas.openxmlformats.org/presentationml/2006/main">
-  <p:cSld>
-    <p:spTree>
-      <p:nvGrpSpPr>
-        <p:cNvPr id="1" name=""/>
-        <p:cNvGrpSpPr/>
-        <p:nvPr/>
-      </p:nvGrpSpPr>
-      <p:grpSpPr>
-        <a:xfrm>
-          <a:off x="0" y="0"/>
-          <a:ext cx="0" cy="0"/>
-          <a:chOff x="0" y="0"/>
-          <a:chExt cx="0" cy="0"/>
-        </a:xfrm>
-      </p:grpSpPr>
-      <p:sp>
-        <p:nvSpPr>
-          <p:cNvPr id="2" name="Title 1"/>
-          <p:cNvSpPr>
-            <a:spLocks noGrp="1"/>
-          </p:cNvSpPr>
-          <p:nvPr>
-            <p:ph type="title"/>
-          </p:nvPr>
-        </p:nvSpPr>
-        <p:spPr/>
-        <p:txBody>
-          <a:bodyPr/>
-          <a:lstStyle/>
-          <a:p>
-            <a:r>
-              <a:rPr lang="en-US" dirty="0"/>
-              <a:t>Visual Encoding</a:t>
-            </a:r>
-            <a:endParaRPr lang="pt-PT" dirty="0"/>
-          </a:p>
-        </p:txBody>
-      </p:sp>
-      <p:sp>
-        <p:nvSpPr>
-          <p:cNvPr id="3" name="Content Placeholder 2"/>
-          <p:cNvSpPr>
-            <a:spLocks noGrp="1"/>
-          </p:cNvSpPr>
-          <p:nvPr>
-            <p:ph idx="1"/>
-          </p:nvPr>
-        </p:nvSpPr>
-        <p:spPr/>
-        <p:txBody>
-          <a:bodyPr>
-            <a:noAutofit/>
-          </a:bodyPr>
-          <a:lstStyle/>
-          <a:p>
-            <a:r>
-              <a:rPr lang="en-US" sz="2400" b="0" dirty="0"/>
-              <a:t>Item: Country</a:t>
-            </a:r>
-          </a:p>
-          <a:p>
-            <a:r>
-              <a:rPr lang="en-US" sz="2400" b="0" dirty="0"/>
-              <a:t>Type: nominal</a:t>
-            </a:r>
-          </a:p>
-          <a:p>
-            <a:r>
-              <a:rPr lang="en-US" sz="2400" b="0" dirty="0"/>
-              <a:t>Visual Encoding: Map, labels </a:t>
-            </a:r>
-          </a:p>
-        </p:txBody>
-      </p:sp>
-    </p:spTree>
-    <p:extLst>
-      <p:ext uri="{BB962C8B-B14F-4D97-AF65-F5344CB8AC3E}">
-        <p14:creationId xmlns:p14="http://schemas.microsoft.com/office/powerpoint/2010/main" val="2091513222"/>
-      </p:ext>
-    </p:extLst>
-  </p:cSld>
-  <p:clrMapOvr>
-    <a:masterClrMapping/>
-  </p:clrMapOvr>
-</p:sld>
-</file>
-
-<file path=ppt/slides/slide8.xml><?xml version="1.0" encoding="utf-8"?>
-<p:sld xmlns:a="http://schemas.openxmlformats.org/drawingml/2006/main" xmlns:r="http://schemas.openxmlformats.org/officeDocument/2006/relationships" xmlns:p="http://schemas.openxmlformats.org/presentationml/2006/main">
-  <p:cSld>
-    <p:spTree>
-      <p:nvGrpSpPr>
-        <p:cNvPr id="1" name=""/>
-        <p:cNvGrpSpPr/>
-        <p:nvPr/>
-      </p:nvGrpSpPr>
-      <p:grpSpPr>
-        <a:xfrm>
-          <a:off x="0" y="0"/>
-          <a:ext cx="0" cy="0"/>
-          <a:chOff x="0" y="0"/>
-          <a:chExt cx="0" cy="0"/>
-        </a:xfrm>
-      </p:grpSpPr>
-      <p:sp>
-        <p:nvSpPr>
-          <p:cNvPr id="2" name="Title 1"/>
-          <p:cNvSpPr>
-            <a:spLocks noGrp="1"/>
-          </p:cNvSpPr>
-          <p:nvPr>
-            <p:ph type="title"/>
-          </p:nvPr>
-        </p:nvSpPr>
-        <p:spPr/>
-        <p:txBody>
-          <a:bodyPr/>
-          <a:lstStyle/>
-          <a:p>
-            <a:r>
-              <a:rPr lang="en-US" dirty="0"/>
-              <a:t>Visual Encoding</a:t>
-            </a:r>
-            <a:endParaRPr lang="pt-PT" dirty="0"/>
-          </a:p>
-        </p:txBody>
-      </p:sp>
-      <p:sp>
-        <p:nvSpPr>
-          <p:cNvPr id="3" name="Content Placeholder 2"/>
-          <p:cNvSpPr>
-            <a:spLocks noGrp="1"/>
-          </p:cNvSpPr>
-          <p:nvPr>
-            <p:ph idx="1"/>
-          </p:nvPr>
-        </p:nvSpPr>
-        <p:spPr/>
-        <p:txBody>
-          <a:bodyPr>
-            <a:noAutofit/>
-          </a:bodyPr>
-          <a:lstStyle/>
-          <a:p>
-            <a:r>
-              <a:rPr lang="en-US" sz="2400" b="0" dirty="0"/>
-              <a:t>Item: Cost of living index, rent index, beer prices</a:t>
-            </a:r>
-          </a:p>
-          <a:p>
-            <a:r>
-              <a:rPr lang="en-US" sz="2400" b="0" dirty="0"/>
-              <a:t>Type: Continues</a:t>
-            </a:r>
-          </a:p>
-          <a:p>
-            <a:r>
-              <a:rPr lang="en-US" sz="2400" b="0" dirty="0"/>
-              <a:t>Visual Encoding: </a:t>
-            </a:r>
-            <a:r>
-              <a:rPr lang="en-US" sz="2400" b="0" dirty="0" err="1"/>
-              <a:t>Barchart</a:t>
-            </a:r>
-            <a:r>
-              <a:rPr lang="en-US" sz="2400" b="0" dirty="0"/>
-              <a:t>. The height shows the attribute value.</a:t>
-            </a:r>
-          </a:p>
-        </p:txBody>
-      </p:sp>
-      <p:pic>
-        <p:nvPicPr>
-          <p:cNvPr id="5" name="Picture 2">
-            <a:extLst>
-              <a:ext uri="{FF2B5EF4-FFF2-40B4-BE49-F238E27FC236}">
-                <a16:creationId xmlns:a16="http://schemas.microsoft.com/office/drawing/2014/main" id="{D51399BA-ABB0-AA4D-A719-80993DA8D07C}"/>
-              </a:ext>
-            </a:extLst>
-          </p:cNvPr>
-          <p:cNvPicPr>
-            <a:picLocks noChangeAspect="1" noChangeArrowheads="1"/>
-          </p:cNvPicPr>
-          <p:nvPr/>
-        </p:nvPicPr>
-        <p:blipFill rotWithShape="1">
-          <a:blip r:embed="rId3">
-            <a:extLst>
-              <a:ext uri="{28A0092B-C50C-407E-A947-70E740481C1C}">
-                <a14:useLocalDpi xmlns:a14="http://schemas.microsoft.com/office/drawing/2010/main" val="0"/>
-              </a:ext>
-            </a:extLst>
-          </a:blip>
-          <a:srcRect l="5504" t="72612" r="48256" b="4213"/>
-          <a:stretch/>
-        </p:blipFill>
-        <p:spPr bwMode="auto">
-          <a:xfrm>
-            <a:off x="286466" y="3212976"/>
-            <a:ext cx="8571035" cy="3061084"/>
-          </a:xfrm>
-          <a:prstGeom prst="rect">
-            <a:avLst/>
-          </a:prstGeom>
-          <a:noFill/>
-          <a:extLst>
-            <a:ext uri="{909E8E84-426E-40DD-AFC4-6F175D3DCCD1}">
-              <a14:hiddenFill xmlns:a14="http://schemas.microsoft.com/office/drawing/2010/main">
-                <a:solidFill>
-                  <a:srgbClr val="FFFFFF"/>
-                </a:solidFill>
-              </a14:hiddenFill>
-            </a:ext>
-          </a:extLst>
-        </p:spPr>
-      </p:pic>
-    </p:spTree>
-    <p:extLst>
-      <p:ext uri="{BB962C8B-B14F-4D97-AF65-F5344CB8AC3E}">
-        <p14:creationId xmlns:p14="http://schemas.microsoft.com/office/powerpoint/2010/main" val="4281510844"/>
-      </p:ext>
-    </p:extLst>
-  </p:cSld>
-  <p:clrMapOvr>
-    <a:masterClrMapping/>
-  </p:clrMapOvr>
-</p:sld>
-</file>
-
-<file path=ppt/slides/slide9.xml><?xml version="1.0" encoding="utf-8"?>
 <p:sld xmlns:a="http://schemas.openxmlformats.org/drawingml/2006/main" xmlns:r="http://schemas.openxmlformats.org/officeDocument/2006/relationships" xmlns:p="http://schemas.openxmlformats.org/presentationml/2006/main">
   <p:cSld>
     <p:spTree>
@@ -7209,7 +6669,317 @@
     </p:spTree>
     <p:extLst>
       <p:ext uri="{BB962C8B-B14F-4D97-AF65-F5344CB8AC3E}">
-        <p14:creationId xmlns:p14="http://schemas.microsoft.com/office/powerpoint/2010/main" val="4240120593"/>
+        <p14:creationId xmlns:p14="http://schemas.microsoft.com/office/powerpoint/2010/main" val="1790380749"/>
+      </p:ext>
+    </p:extLst>
+  </p:cSld>
+  <p:clrMapOvr>
+    <a:masterClrMapping/>
+  </p:clrMapOvr>
+</p:sld>
+</file>
+
+<file path=ppt/slides/slide8.xml><?xml version="1.0" encoding="utf-8"?>
+<p:sld xmlns:a="http://schemas.openxmlformats.org/drawingml/2006/main" xmlns:r="http://schemas.openxmlformats.org/officeDocument/2006/relationships" xmlns:p="http://schemas.openxmlformats.org/presentationml/2006/main">
+  <p:cSld>
+    <p:spTree>
+      <p:nvGrpSpPr>
+        <p:cNvPr id="1" name=""/>
+        <p:cNvGrpSpPr/>
+        <p:nvPr/>
+      </p:nvGrpSpPr>
+      <p:grpSpPr>
+        <a:xfrm>
+          <a:off x="0" y="0"/>
+          <a:ext cx="0" cy="0"/>
+          <a:chOff x="0" y="0"/>
+          <a:chExt cx="0" cy="0"/>
+        </a:xfrm>
+      </p:grpSpPr>
+      <p:sp>
+        <p:nvSpPr>
+          <p:cNvPr id="2" name="Title 1"/>
+          <p:cNvSpPr>
+            <a:spLocks noGrp="1"/>
+          </p:cNvSpPr>
+          <p:nvPr>
+            <p:ph type="title"/>
+          </p:nvPr>
+        </p:nvSpPr>
+        <p:spPr/>
+        <p:txBody>
+          <a:bodyPr/>
+          <a:lstStyle/>
+          <a:p>
+            <a:r>
+              <a:rPr lang="en-US" dirty="0"/>
+              <a:t>Visual Encoding</a:t>
+            </a:r>
+            <a:endParaRPr lang="pt-PT" dirty="0"/>
+          </a:p>
+        </p:txBody>
+      </p:sp>
+      <p:sp>
+        <p:nvSpPr>
+          <p:cNvPr id="3" name="Content Placeholder 2"/>
+          <p:cNvSpPr>
+            <a:spLocks noGrp="1"/>
+          </p:cNvSpPr>
+          <p:nvPr>
+            <p:ph idx="1"/>
+          </p:nvPr>
+        </p:nvSpPr>
+        <p:spPr/>
+        <p:txBody>
+          <a:bodyPr>
+            <a:noAutofit/>
+          </a:bodyPr>
+          <a:lstStyle/>
+          <a:p>
+            <a:r>
+              <a:rPr lang="en-US" sz="2400" b="0" dirty="0"/>
+              <a:t>Item: </a:t>
+            </a:r>
+            <a:r>
+              <a:rPr lang="en-US" sz="2400" b="0" dirty="0" err="1"/>
+              <a:t>SendingCountry</a:t>
+            </a:r>
+            <a:r>
+              <a:rPr lang="en-US" sz="2400" b="0" dirty="0"/>
+              <a:t> and </a:t>
+            </a:r>
+            <a:r>
+              <a:rPr lang="en-US" sz="2400" b="0" dirty="0" err="1"/>
+              <a:t>ReceivingCountry</a:t>
+            </a:r>
+            <a:endParaRPr lang="en-US" sz="2400" b="0" dirty="0"/>
+          </a:p>
+          <a:p>
+            <a:r>
+              <a:rPr lang="en-US" sz="2400" b="0" dirty="0"/>
+              <a:t>Type: nominal</a:t>
+            </a:r>
+          </a:p>
+          <a:p>
+            <a:r>
+              <a:rPr lang="en-US" sz="2400" b="0" dirty="0"/>
+              <a:t>Visual Encoding: </a:t>
+            </a:r>
+            <a:r>
+              <a:rPr lang="en-US" sz="2400" b="0" dirty="0" err="1"/>
+              <a:t>Flowmap</a:t>
+            </a:r>
+            <a:r>
+              <a:rPr lang="en-US" sz="2400" b="0" dirty="0"/>
+              <a:t>. Arrows show from/to</a:t>
+            </a:r>
+          </a:p>
+        </p:txBody>
+      </p:sp>
+      <p:pic>
+        <p:nvPicPr>
+          <p:cNvPr id="7" name="Picture 2">
+            <a:extLst>
+              <a:ext uri="{FF2B5EF4-FFF2-40B4-BE49-F238E27FC236}">
+                <a16:creationId xmlns:a16="http://schemas.microsoft.com/office/drawing/2014/main" id="{4170CBB4-86AE-E740-879A-351D4A6E2742}"/>
+              </a:ext>
+            </a:extLst>
+          </p:cNvPr>
+          <p:cNvPicPr>
+            <a:picLocks noChangeAspect="1" noChangeArrowheads="1"/>
+          </p:cNvPicPr>
+          <p:nvPr/>
+        </p:nvPicPr>
+        <p:blipFill rotWithShape="1">
+          <a:blip r:embed="rId3">
+            <a:extLst>
+              <a:ext uri="{28A0092B-C50C-407E-A947-70E740481C1C}">
+                <a14:useLocalDpi xmlns:a14="http://schemas.microsoft.com/office/drawing/2010/main" val="0"/>
+              </a:ext>
+            </a:extLst>
+          </a:blip>
+          <a:srcRect t="4635" r="35044" b="27388"/>
+          <a:stretch/>
+        </p:blipFill>
+        <p:spPr bwMode="auto">
+          <a:xfrm>
+            <a:off x="1835696" y="3429000"/>
+            <a:ext cx="4248472" cy="3168352"/>
+          </a:xfrm>
+          <a:prstGeom prst="rect">
+            <a:avLst/>
+          </a:prstGeom>
+          <a:noFill/>
+          <a:extLst>
+            <a:ext uri="{909E8E84-426E-40DD-AFC4-6F175D3DCCD1}">
+              <a14:hiddenFill xmlns:a14="http://schemas.microsoft.com/office/drawing/2010/main">
+                <a:solidFill>
+                  <a:srgbClr val="FFFFFF"/>
+                </a:solidFill>
+              </a14:hiddenFill>
+            </a:ext>
+          </a:extLst>
+        </p:spPr>
+      </p:pic>
+    </p:spTree>
+    <p:extLst>
+      <p:ext uri="{BB962C8B-B14F-4D97-AF65-F5344CB8AC3E}">
+        <p14:creationId xmlns:p14="http://schemas.microsoft.com/office/powerpoint/2010/main" val="3552586002"/>
+      </p:ext>
+    </p:extLst>
+  </p:cSld>
+  <p:clrMapOvr>
+    <a:masterClrMapping/>
+  </p:clrMapOvr>
+</p:sld>
+</file>
+
+<file path=ppt/slides/slide9.xml><?xml version="1.0" encoding="utf-8"?>
+<p:sld xmlns:a="http://schemas.openxmlformats.org/drawingml/2006/main" xmlns:r="http://schemas.openxmlformats.org/officeDocument/2006/relationships" xmlns:p="http://schemas.openxmlformats.org/presentationml/2006/main">
+  <p:cSld>
+    <p:spTree>
+      <p:nvGrpSpPr>
+        <p:cNvPr id="1" name=""/>
+        <p:cNvGrpSpPr/>
+        <p:nvPr/>
+      </p:nvGrpSpPr>
+      <p:grpSpPr>
+        <a:xfrm>
+          <a:off x="0" y="0"/>
+          <a:ext cx="0" cy="0"/>
+          <a:chOff x="0" y="0"/>
+          <a:chExt cx="0" cy="0"/>
+        </a:xfrm>
+      </p:grpSpPr>
+      <p:sp>
+        <p:nvSpPr>
+          <p:cNvPr id="2" name="Title 1"/>
+          <p:cNvSpPr>
+            <a:spLocks noGrp="1"/>
+          </p:cNvSpPr>
+          <p:nvPr>
+            <p:ph type="title"/>
+          </p:nvPr>
+        </p:nvSpPr>
+        <p:spPr/>
+        <p:txBody>
+          <a:bodyPr/>
+          <a:lstStyle/>
+          <a:p>
+            <a:r>
+              <a:rPr lang="en-US" dirty="0"/>
+              <a:t>Visual Encoding</a:t>
+            </a:r>
+            <a:endParaRPr lang="pt-PT" dirty="0"/>
+          </a:p>
+        </p:txBody>
+      </p:sp>
+      <p:sp>
+        <p:nvSpPr>
+          <p:cNvPr id="3" name="Content Placeholder 2"/>
+          <p:cNvSpPr>
+            <a:spLocks noGrp="1"/>
+          </p:cNvSpPr>
+          <p:nvPr>
+            <p:ph idx="1"/>
+          </p:nvPr>
+        </p:nvSpPr>
+        <p:spPr/>
+        <p:txBody>
+          <a:bodyPr>
+            <a:noAutofit/>
+          </a:bodyPr>
+          <a:lstStyle/>
+          <a:p>
+            <a:r>
+              <a:rPr lang="en-US" sz="2400" b="0" dirty="0"/>
+              <a:t>Item: </a:t>
+            </a:r>
+            <a:r>
+              <a:rPr lang="en-US" sz="2400" b="0" dirty="0" err="1"/>
+              <a:t>StudentIncomingCount</a:t>
+            </a:r>
+            <a:r>
+              <a:rPr lang="en-US" sz="2400" b="0" dirty="0"/>
+              <a:t>, </a:t>
+            </a:r>
+            <a:r>
+              <a:rPr lang="en-US" sz="2400" b="0" dirty="0" err="1"/>
+              <a:t>StudentOutgoingCount</a:t>
+            </a:r>
+            <a:endParaRPr lang="en-US" sz="2400" b="0" dirty="0"/>
+          </a:p>
+          <a:p>
+            <a:r>
+              <a:rPr lang="en-US" sz="2400" b="0" dirty="0"/>
+              <a:t>Type: continues</a:t>
+            </a:r>
+          </a:p>
+          <a:p>
+            <a:r>
+              <a:rPr lang="en-US" sz="2400" b="0" dirty="0"/>
+              <a:t>Visual Encoding: </a:t>
+            </a:r>
+            <a:r>
+              <a:rPr lang="en-US" sz="2400" b="0" dirty="0" err="1"/>
+              <a:t>Flowmap</a:t>
+            </a:r>
+            <a:r>
+              <a:rPr lang="en-US" sz="2400" b="0" dirty="0"/>
+              <a:t>. Thickness of arrows shows number of students</a:t>
+            </a:r>
+          </a:p>
+        </p:txBody>
+      </p:sp>
+      <p:pic>
+        <p:nvPicPr>
+          <p:cNvPr id="7" name="Picture 2">
+            <a:extLst>
+              <a:ext uri="{FF2B5EF4-FFF2-40B4-BE49-F238E27FC236}">
+                <a16:creationId xmlns:a16="http://schemas.microsoft.com/office/drawing/2014/main" id="{4170CBB4-86AE-E740-879A-351D4A6E2742}"/>
+              </a:ext>
+            </a:extLst>
+          </p:cNvPr>
+          <p:cNvPicPr>
+            <a:picLocks noChangeAspect="1" noChangeArrowheads="1"/>
+          </p:cNvPicPr>
+          <p:nvPr/>
+        </p:nvPicPr>
+        <p:blipFill rotWithShape="1">
+          <a:blip r:embed="rId3">
+            <a:extLst>
+              <a:ext uri="{28A0092B-C50C-407E-A947-70E740481C1C}">
+                <a14:useLocalDpi xmlns:a14="http://schemas.microsoft.com/office/drawing/2010/main" val="0"/>
+              </a:ext>
+            </a:extLst>
+          </a:blip>
+          <a:srcRect t="4635" r="35044" b="27388"/>
+          <a:stretch/>
+        </p:blipFill>
+        <p:spPr bwMode="auto">
+          <a:xfrm>
+            <a:off x="1835696" y="3429000"/>
+            <a:ext cx="4248472" cy="3168352"/>
+          </a:xfrm>
+          <a:prstGeom prst="rect">
+            <a:avLst/>
+          </a:prstGeom>
+          <a:noFill/>
+          <a:extLst>
+            <a:ext uri="{909E8E84-426E-40DD-AFC4-6F175D3DCCD1}">
+              <a14:hiddenFill xmlns:a14="http://schemas.microsoft.com/office/drawing/2010/main">
+                <a:solidFill>
+                  <a:srgbClr val="FFFFFF"/>
+                </a:solidFill>
+              </a14:hiddenFill>
+            </a:ext>
+          </a:extLst>
+        </p:spPr>
+      </p:pic>
+    </p:spTree>
+    <p:extLst>
+      <p:ext uri="{BB962C8B-B14F-4D97-AF65-F5344CB8AC3E}">
+        <p14:creationId xmlns:p14="http://schemas.microsoft.com/office/powerpoint/2010/main" val="1912571671"/>
       </p:ext>
     </p:extLst>
   </p:cSld>
